--- a/lectures/ObjectOrientedProgramming.pptx
+++ b/lectures/ObjectOrientedProgramming.pptx
@@ -26,14 +26,14 @@
       <p:boldItalic r:id="rId12"/>
     </p:embeddedFont>
     <p:embeddedFont>
-      <p:font typeface="Roboto Condensed" panose="020B0604020202020204" charset="0"/>
+      <p:font typeface="Roboto Condensed" panose="02000000000000000000" pitchFamily="2" charset="0"/>
       <p:regular r:id="rId13"/>
       <p:bold r:id="rId14"/>
       <p:italic r:id="rId15"/>
       <p:boldItalic r:id="rId16"/>
     </p:embeddedFont>
     <p:embeddedFont>
-      <p:font typeface="Roboto Condensed Light" panose="020B0604020202020204" charset="0"/>
+      <p:font typeface="Roboto Condensed Light" panose="02000000000000000000" pitchFamily="2" charset="0"/>
       <p:regular r:id="rId17"/>
       <p:bold r:id="rId18"/>
       <p:italic r:id="rId19"/>
@@ -248,6 +248,74 @@
     </p:ext>
   </p:extLst>
 </p:presentation>
+</file>
+
+<file path=ppt/changesInfos/changesInfo1.xml><?xml version="1.0" encoding="utf-8"?>
+<pc:chgInfo xmlns:a="http://schemas.openxmlformats.org/drawingml/2006/main" xmlns:r="http://schemas.openxmlformats.org/officeDocument/2006/relationships" xmlns:ac="http://schemas.microsoft.com/office/drawing/2013/main/command" xmlns:pc="http://schemas.microsoft.com/office/powerpoint/2013/main/command">
+  <pc:docChgLst>
+    <pc:chgData name="Jan" userId="185de13651d64d23" providerId="LiveId" clId="{D8C657F8-BB2B-410C-9315-D9EE7DDD79D9}"/>
+    <pc:docChg chg="custSel modSld">
+      <pc:chgData name="Jan" userId="185de13651d64d23" providerId="LiveId" clId="{D8C657F8-BB2B-410C-9315-D9EE7DDD79D9}" dt="2022-08-30T07:19:26.408" v="11" actId="1076"/>
+      <pc:docMkLst>
+        <pc:docMk/>
+      </pc:docMkLst>
+      <pc:sldChg chg="addSp delSp modSp mod">
+        <pc:chgData name="Jan" userId="185de13651d64d23" providerId="LiveId" clId="{D8C657F8-BB2B-410C-9315-D9EE7DDD79D9}" dt="2022-08-30T07:18:07.801" v="7" actId="1076"/>
+        <pc:sldMkLst>
+          <pc:docMk/>
+          <pc:sldMk cId="1460466208" sldId="264"/>
+        </pc:sldMkLst>
+        <pc:picChg chg="add mod">
+          <ac:chgData name="Jan" userId="185de13651d64d23" providerId="LiveId" clId="{D8C657F8-BB2B-410C-9315-D9EE7DDD79D9}" dt="2022-08-30T07:18:07.801" v="7" actId="1076"/>
+          <ac:picMkLst>
+            <pc:docMk/>
+            <pc:sldMk cId="1460466208" sldId="264"/>
+            <ac:picMk id="3" creationId="{EDF5C3CE-07EC-7D54-996F-122B57E2BB0F}"/>
+          </ac:picMkLst>
+        </pc:picChg>
+        <pc:picChg chg="del">
+          <ac:chgData name="Jan" userId="185de13651d64d23" providerId="LiveId" clId="{D8C657F8-BB2B-410C-9315-D9EE7DDD79D9}" dt="2022-08-30T07:18:01.498" v="4" actId="478"/>
+          <ac:picMkLst>
+            <pc:docMk/>
+            <pc:sldMk cId="1460466208" sldId="264"/>
+            <ac:picMk id="4" creationId="{FC3DFB03-6EFF-4637-A432-06CE0560EB62}"/>
+          </ac:picMkLst>
+        </pc:picChg>
+      </pc:sldChg>
+      <pc:sldChg chg="addSp delSp modSp mod">
+        <pc:chgData name="Jan" userId="185de13651d64d23" providerId="LiveId" clId="{D8C657F8-BB2B-410C-9315-D9EE7DDD79D9}" dt="2022-08-30T07:19:26.408" v="11" actId="1076"/>
+        <pc:sldMkLst>
+          <pc:docMk/>
+          <pc:sldMk cId="4003608453" sldId="265"/>
+        </pc:sldMkLst>
+        <pc:picChg chg="del">
+          <ac:chgData name="Jan" userId="185de13651d64d23" providerId="LiveId" clId="{D8C657F8-BB2B-410C-9315-D9EE7DDD79D9}" dt="2022-08-30T07:16:54.113" v="0" actId="478"/>
+          <ac:picMkLst>
+            <pc:docMk/>
+            <pc:sldMk cId="4003608453" sldId="265"/>
+            <ac:picMk id="2" creationId="{D808545E-E3FF-4CF1-831A-9EA5B4855D58}"/>
+          </ac:picMkLst>
+        </pc:picChg>
+        <pc:picChg chg="add del mod">
+          <ac:chgData name="Jan" userId="185de13651d64d23" providerId="LiveId" clId="{D8C657F8-BB2B-410C-9315-D9EE7DDD79D9}" dt="2022-08-30T07:18:09.272" v="8" actId="478"/>
+          <ac:picMkLst>
+            <pc:docMk/>
+            <pc:sldMk cId="4003608453" sldId="265"/>
+            <ac:picMk id="4" creationId="{6DDCF673-EECD-53F0-F8CA-4BB6D34C1FC8}"/>
+          </ac:picMkLst>
+        </pc:picChg>
+        <pc:picChg chg="add mod">
+          <ac:chgData name="Jan" userId="185de13651d64d23" providerId="LiveId" clId="{D8C657F8-BB2B-410C-9315-D9EE7DDD79D9}" dt="2022-08-30T07:19:26.408" v="11" actId="1076"/>
+          <ac:picMkLst>
+            <pc:docMk/>
+            <pc:sldMk cId="4003608453" sldId="265"/>
+            <ac:picMk id="6" creationId="{BF8AFD7A-24D5-D721-E1B3-48D7E6FC5DB8}"/>
+          </ac:picMkLst>
+        </pc:picChg>
+      </pc:sldChg>
+    </pc:docChg>
+  </pc:docChgLst>
+</pc:chgInfo>
 </file>
 
 <file path=ppt/notesMasters/notesMaster1.xml><?xml version="1.0" encoding="utf-8"?>
@@ -4364,10 +4432,10 @@
       </p:sp>
       <p:pic>
         <p:nvPicPr>
-          <p:cNvPr id="4" name="Grafik 3">
+          <p:cNvPr id="3" name="Grafik 2">
             <a:extLst>
               <a:ext uri="{FF2B5EF4-FFF2-40B4-BE49-F238E27FC236}">
-                <a16:creationId xmlns:a16="http://schemas.microsoft.com/office/drawing/2014/main" id="{FC3DFB03-6EFF-4637-A432-06CE0560EB62}"/>
+                <a16:creationId xmlns:a16="http://schemas.microsoft.com/office/drawing/2014/main" id="{EDF5C3CE-07EC-7D54-996F-122B57E2BB0F}"/>
               </a:ext>
             </a:extLst>
           </p:cNvPr>
@@ -4384,8 +4452,8 @@
         </p:blipFill>
         <p:spPr>
           <a:xfrm>
-            <a:off x="854109" y="1699677"/>
-            <a:ext cx="6073915" cy="2759698"/>
+            <a:off x="814275" y="1381530"/>
+            <a:ext cx="6200931" cy="3369395"/>
           </a:xfrm>
           <a:prstGeom prst="rect">
             <a:avLst/>
@@ -4494,10 +4562,10 @@
       </p:sp>
       <p:pic>
         <p:nvPicPr>
-          <p:cNvPr id="2" name="Grafik 1">
+          <p:cNvPr id="6" name="Grafik 5">
             <a:extLst>
               <a:ext uri="{FF2B5EF4-FFF2-40B4-BE49-F238E27FC236}">
-                <a16:creationId xmlns:a16="http://schemas.microsoft.com/office/drawing/2014/main" id="{D808545E-E3FF-4CF1-831A-9EA5B4855D58}"/>
+                <a16:creationId xmlns:a16="http://schemas.microsoft.com/office/drawing/2014/main" id="{BF8AFD7A-24D5-D721-E1B3-48D7E6FC5DB8}"/>
               </a:ext>
             </a:extLst>
           </p:cNvPr>
@@ -4514,8 +4582,8 @@
         </p:blipFill>
         <p:spPr>
           <a:xfrm>
-            <a:off x="1831615" y="1657978"/>
-            <a:ext cx="3980257" cy="2901827"/>
+            <a:off x="1394237" y="1430348"/>
+            <a:ext cx="5333145" cy="3521752"/>
           </a:xfrm>
           <a:prstGeom prst="rect">
             <a:avLst/>
